--- a/Slides/Class06.pptx
+++ b/Slides/Class06.pptx
@@ -9585,7 +9585,7 @@
         <p:spPr>
           <a:xfrm>
             <a:off x="539604" y="945630"/>
-            <a:ext cx="8451996" cy="3262432"/>
+            <a:ext cx="8451996" cy="2923877"/>
           </a:xfrm>
           <a:prstGeom prst="rect">
             <a:avLst/>
@@ -9731,24 +9731,8 @@
                 <a:ea typeface="MS Mincho" panose="02020609040205080304" pitchFamily="49" charset="-128"/>
                 <a:cs typeface="Times New Roman" panose="02020603050405020304" pitchFamily="18" charset="0"/>
               </a:rPr>
-              <a:t>In-class demo in Overleaf:</a:t>
-            </a:r>
-          </a:p>
-          <a:p>
-            <a:r>
-              <a:rPr lang="en-US" sz="2000" dirty="0">
-                <a:latin typeface="Times New Roman" panose="02020603050405020304" pitchFamily="18" charset="0"/>
-                <a:ea typeface="MS Mincho" panose="02020609040205080304" pitchFamily="49" charset="-128"/>
-                <a:cs typeface="Times New Roman" panose="02020603050405020304" pitchFamily="18" charset="0"/>
-                <a:hlinkClick r:id="rId5"/>
-              </a:rPr>
-              <a:t>https://www.overleaf.com/read/cwrhcmtzqfhq</a:t>
-            </a:r>
-            <a:endParaRPr lang="en-US" sz="2000" dirty="0">
-              <a:latin typeface="Times New Roman" panose="02020603050405020304" pitchFamily="18" charset="0"/>
-              <a:ea typeface="MS Mincho" panose="02020609040205080304" pitchFamily="49" charset="-128"/>
-              <a:cs typeface="Times New Roman" panose="02020603050405020304" pitchFamily="18" charset="0"/>
-            </a:endParaRPr>
+              <a:t>In-class demo in Overleaf</a:t>
+            </a:r>
           </a:p>
         </p:txBody>
       </p:sp>
@@ -10021,55 +10005,6 @@
                                           <p:spTgt spid="6">
                                             <p:txEl>
                                               <p:pRg st="9" end="9"/>
-                                            </p:txEl>
-                                          </p:spTgt>
-                                        </p:tgtEl>
-                                        <p:attrNameLst>
-                                          <p:attrName>style.visibility</p:attrName>
-                                        </p:attrNameLst>
-                                      </p:cBhvr>
-                                      <p:to>
-                                        <p:strVal val="visible"/>
-                                      </p:to>
-                                    </p:set>
-                                  </p:childTnLst>
-                                </p:cTn>
-                              </p:par>
-                            </p:childTnLst>
-                          </p:cTn>
-                        </p:par>
-                      </p:childTnLst>
-                    </p:cTn>
-                  </p:par>
-                  <p:par>
-                    <p:cTn id="23" fill="hold">
-                      <p:stCondLst>
-                        <p:cond delay="indefinite"/>
-                      </p:stCondLst>
-                      <p:childTnLst>
-                        <p:par>
-                          <p:cTn id="24" fill="hold">
-                            <p:stCondLst>
-                              <p:cond delay="0"/>
-                            </p:stCondLst>
-                            <p:childTnLst>
-                              <p:par>
-                                <p:cTn id="25" presetID="1" presetClass="entr" presetSubtype="0" fill="hold" nodeType="clickEffect">
-                                  <p:stCondLst>
-                                    <p:cond delay="0"/>
-                                  </p:stCondLst>
-                                  <p:childTnLst>
-                                    <p:set>
-                                      <p:cBhvr>
-                                        <p:cTn id="26" dur="1" fill="hold">
-                                          <p:stCondLst>
-                                            <p:cond delay="0"/>
-                                          </p:stCondLst>
-                                        </p:cTn>
-                                        <p:tgtEl>
-                                          <p:spTgt spid="6">
-                                            <p:txEl>
-                                              <p:pRg st="10" end="10"/>
                                             </p:txEl>
                                           </p:spTgt>
                                         </p:tgtEl>

--- a/Slides/Class06.pptx
+++ b/Slides/Class06.pptx
@@ -4120,6 +4120,66 @@
               </a:rPr>
               <a:t>Otherwise the audience will not enjoy it</a:t>
             </a:r>
+          </a:p>
+        </p:txBody>
+      </p:sp>
+      <p:sp>
+        <p:nvSpPr>
+          <p:cNvPr id="5" name="TextBox 4">
+            <a:extLst>
+              <a:ext uri="{FF2B5EF4-FFF2-40B4-BE49-F238E27FC236}">
+                <a16:creationId xmlns:a16="http://schemas.microsoft.com/office/drawing/2014/main" id="{27C55442-F7D2-E242-B763-95898350127C}"/>
+              </a:ext>
+            </a:extLst>
+          </p:cNvPr>
+          <p:cNvSpPr txBox="1"/>
+          <p:nvPr/>
+        </p:nvSpPr>
+        <p:spPr>
+          <a:xfrm>
+            <a:off x="2331076" y="6350913"/>
+            <a:ext cx="6306763" cy="430887"/>
+          </a:xfrm>
+          <a:prstGeom prst="rect">
+            <a:avLst/>
+          </a:prstGeom>
+          <a:noFill/>
+        </p:spPr>
+        <p:txBody>
+          <a:bodyPr wrap="square" rtlCol="0">
+            <a:spAutoFit/>
+          </a:bodyPr>
+          <a:lstStyle/>
+          <a:p>
+            <a:pPr marR="0" lvl="0" algn="r">
+              <a:spcBef>
+                <a:spcPts val="0"/>
+              </a:spcBef>
+              <a:spcAft>
+                <a:spcPts val="0"/>
+              </a:spcAft>
+            </a:pPr>
+            <a:r>
+              <a:rPr lang="en-US" sz="2200" i="1" dirty="0">
+                <a:latin typeface="Times New Roman" panose="02020603050405020304" pitchFamily="18" charset="0"/>
+                <a:ea typeface="MS Mincho" panose="02020609040205080304" pitchFamily="49" charset="-128"/>
+                <a:cs typeface="Times New Roman" panose="02020603050405020304" pitchFamily="18" charset="0"/>
+              </a:rPr>
+              <a:t>Based on presentations by R.A.M.J. </a:t>
+            </a:r>
+            <a:r>
+              <a:rPr lang="en-US" sz="2200" i="1" dirty="0" err="1">
+                <a:latin typeface="Times New Roman" panose="02020603050405020304" pitchFamily="18" charset="0"/>
+                <a:ea typeface="MS Mincho" panose="02020609040205080304" pitchFamily="49" charset="-128"/>
+                <a:cs typeface="Times New Roman" panose="02020603050405020304" pitchFamily="18" charset="0"/>
+              </a:rPr>
+              <a:t>Wijers</a:t>
+            </a:r>
+            <a:endParaRPr lang="en-US" sz="2200" dirty="0">
+              <a:latin typeface="Times New Roman" panose="02020603050405020304" pitchFamily="18" charset="0"/>
+              <a:ea typeface="MS Mincho" panose="02020609040205080304" pitchFamily="49" charset="-128"/>
+              <a:cs typeface="Times New Roman" panose="02020603050405020304" pitchFamily="18" charset="0"/>
+            </a:endParaRPr>
           </a:p>
         </p:txBody>
       </p:sp>
@@ -4799,6 +4859,66 @@
               </a:rPr>
               <a:t>Include a round of questions while practicing</a:t>
             </a:r>
+          </a:p>
+        </p:txBody>
+      </p:sp>
+      <p:sp>
+        <p:nvSpPr>
+          <p:cNvPr id="5" name="TextBox 4">
+            <a:extLst>
+              <a:ext uri="{FF2B5EF4-FFF2-40B4-BE49-F238E27FC236}">
+                <a16:creationId xmlns:a16="http://schemas.microsoft.com/office/drawing/2014/main" id="{F004271E-009C-3E41-9CD9-DC9C67C6E457}"/>
+              </a:ext>
+            </a:extLst>
+          </p:cNvPr>
+          <p:cNvSpPr txBox="1"/>
+          <p:nvPr/>
+        </p:nvSpPr>
+        <p:spPr>
+          <a:xfrm>
+            <a:off x="2331076" y="6350913"/>
+            <a:ext cx="6306763" cy="430887"/>
+          </a:xfrm>
+          <a:prstGeom prst="rect">
+            <a:avLst/>
+          </a:prstGeom>
+          <a:noFill/>
+        </p:spPr>
+        <p:txBody>
+          <a:bodyPr wrap="square" rtlCol="0">
+            <a:spAutoFit/>
+          </a:bodyPr>
+          <a:lstStyle/>
+          <a:p>
+            <a:pPr marR="0" lvl="0" algn="r">
+              <a:spcBef>
+                <a:spcPts val="0"/>
+              </a:spcBef>
+              <a:spcAft>
+                <a:spcPts val="0"/>
+              </a:spcAft>
+            </a:pPr>
+            <a:r>
+              <a:rPr lang="en-US" sz="2200" i="1" dirty="0">
+                <a:latin typeface="Times New Roman" panose="02020603050405020304" pitchFamily="18" charset="0"/>
+                <a:ea typeface="MS Mincho" panose="02020609040205080304" pitchFamily="49" charset="-128"/>
+                <a:cs typeface="Times New Roman" panose="02020603050405020304" pitchFamily="18" charset="0"/>
+              </a:rPr>
+              <a:t>Based on presentations by R.A.M.J. </a:t>
+            </a:r>
+            <a:r>
+              <a:rPr lang="en-US" sz="2200" i="1" dirty="0" err="1">
+                <a:latin typeface="Times New Roman" panose="02020603050405020304" pitchFamily="18" charset="0"/>
+                <a:ea typeface="MS Mincho" panose="02020609040205080304" pitchFamily="49" charset="-128"/>
+                <a:cs typeface="Times New Roman" panose="02020603050405020304" pitchFamily="18" charset="0"/>
+              </a:rPr>
+              <a:t>Wijers</a:t>
+            </a:r>
+            <a:endParaRPr lang="en-US" sz="2200" dirty="0">
+              <a:latin typeface="Times New Roman" panose="02020603050405020304" pitchFamily="18" charset="0"/>
+              <a:ea typeface="MS Mincho" panose="02020609040205080304" pitchFamily="49" charset="-128"/>
+              <a:cs typeface="Times New Roman" panose="02020603050405020304" pitchFamily="18" charset="0"/>
+            </a:endParaRPr>
           </a:p>
         </p:txBody>
       </p:sp>
@@ -5636,6 +5756,66 @@
           </a:p>
         </p:txBody>
       </p:sp>
+      <p:sp>
+        <p:nvSpPr>
+          <p:cNvPr id="5" name="TextBox 4">
+            <a:extLst>
+              <a:ext uri="{FF2B5EF4-FFF2-40B4-BE49-F238E27FC236}">
+                <a16:creationId xmlns:a16="http://schemas.microsoft.com/office/drawing/2014/main" id="{60D0C814-6400-B145-B934-F4AA86377C55}"/>
+              </a:ext>
+            </a:extLst>
+          </p:cNvPr>
+          <p:cNvSpPr txBox="1"/>
+          <p:nvPr/>
+        </p:nvSpPr>
+        <p:spPr>
+          <a:xfrm>
+            <a:off x="2331076" y="6350913"/>
+            <a:ext cx="6306763" cy="430887"/>
+          </a:xfrm>
+          <a:prstGeom prst="rect">
+            <a:avLst/>
+          </a:prstGeom>
+          <a:noFill/>
+        </p:spPr>
+        <p:txBody>
+          <a:bodyPr wrap="square" rtlCol="0">
+            <a:spAutoFit/>
+          </a:bodyPr>
+          <a:lstStyle/>
+          <a:p>
+            <a:pPr marR="0" lvl="0" algn="r">
+              <a:spcBef>
+                <a:spcPts val="0"/>
+              </a:spcBef>
+              <a:spcAft>
+                <a:spcPts val="0"/>
+              </a:spcAft>
+            </a:pPr>
+            <a:r>
+              <a:rPr lang="en-US" sz="2200" i="1" dirty="0">
+                <a:latin typeface="Times New Roman" panose="02020603050405020304" pitchFamily="18" charset="0"/>
+                <a:ea typeface="MS Mincho" panose="02020609040205080304" pitchFamily="49" charset="-128"/>
+                <a:cs typeface="Times New Roman" panose="02020603050405020304" pitchFamily="18" charset="0"/>
+              </a:rPr>
+              <a:t>Based on presentations by R.A.M.J. </a:t>
+            </a:r>
+            <a:r>
+              <a:rPr lang="en-US" sz="2200" i="1" dirty="0" err="1">
+                <a:latin typeface="Times New Roman" panose="02020603050405020304" pitchFamily="18" charset="0"/>
+                <a:ea typeface="MS Mincho" panose="02020609040205080304" pitchFamily="49" charset="-128"/>
+                <a:cs typeface="Times New Roman" panose="02020603050405020304" pitchFamily="18" charset="0"/>
+              </a:rPr>
+              <a:t>Wijers</a:t>
+            </a:r>
+            <a:endParaRPr lang="en-US" sz="2200" dirty="0">
+              <a:latin typeface="Times New Roman" panose="02020603050405020304" pitchFamily="18" charset="0"/>
+              <a:ea typeface="MS Mincho" panose="02020609040205080304" pitchFamily="49" charset="-128"/>
+              <a:cs typeface="Times New Roman" panose="02020603050405020304" pitchFamily="18" charset="0"/>
+            </a:endParaRPr>
+          </a:p>
+        </p:txBody>
+      </p:sp>
     </p:spTree>
     <p:extLst>
       <p:ext uri="{BB962C8B-B14F-4D97-AF65-F5344CB8AC3E}">
@@ -6414,6 +6594,66 @@
           </a:p>
         </p:txBody>
       </p:sp>
+      <p:sp>
+        <p:nvSpPr>
+          <p:cNvPr id="5" name="TextBox 4">
+            <a:extLst>
+              <a:ext uri="{FF2B5EF4-FFF2-40B4-BE49-F238E27FC236}">
+                <a16:creationId xmlns:a16="http://schemas.microsoft.com/office/drawing/2014/main" id="{8AF403E4-B778-C047-9808-1163B722C396}"/>
+              </a:ext>
+            </a:extLst>
+          </p:cNvPr>
+          <p:cNvSpPr txBox="1"/>
+          <p:nvPr/>
+        </p:nvSpPr>
+        <p:spPr>
+          <a:xfrm>
+            <a:off x="2331076" y="6350913"/>
+            <a:ext cx="6306763" cy="430887"/>
+          </a:xfrm>
+          <a:prstGeom prst="rect">
+            <a:avLst/>
+          </a:prstGeom>
+          <a:noFill/>
+        </p:spPr>
+        <p:txBody>
+          <a:bodyPr wrap="square" rtlCol="0">
+            <a:spAutoFit/>
+          </a:bodyPr>
+          <a:lstStyle/>
+          <a:p>
+            <a:pPr marR="0" lvl="0" algn="r">
+              <a:spcBef>
+                <a:spcPts val="0"/>
+              </a:spcBef>
+              <a:spcAft>
+                <a:spcPts val="0"/>
+              </a:spcAft>
+            </a:pPr>
+            <a:r>
+              <a:rPr lang="en-US" sz="2200" i="1" dirty="0">
+                <a:latin typeface="Times New Roman" panose="02020603050405020304" pitchFamily="18" charset="0"/>
+                <a:ea typeface="MS Mincho" panose="02020609040205080304" pitchFamily="49" charset="-128"/>
+                <a:cs typeface="Times New Roman" panose="02020603050405020304" pitchFamily="18" charset="0"/>
+              </a:rPr>
+              <a:t>Based on presentations by R.A.M.J. </a:t>
+            </a:r>
+            <a:r>
+              <a:rPr lang="en-US" sz="2200" i="1" dirty="0" err="1">
+                <a:latin typeface="Times New Roman" panose="02020603050405020304" pitchFamily="18" charset="0"/>
+                <a:ea typeface="MS Mincho" panose="02020609040205080304" pitchFamily="49" charset="-128"/>
+                <a:cs typeface="Times New Roman" panose="02020603050405020304" pitchFamily="18" charset="0"/>
+              </a:rPr>
+              <a:t>Wijers</a:t>
+            </a:r>
+            <a:endParaRPr lang="en-US" sz="2200" dirty="0">
+              <a:latin typeface="Times New Roman" panose="02020603050405020304" pitchFamily="18" charset="0"/>
+              <a:ea typeface="MS Mincho" panose="02020609040205080304" pitchFamily="49" charset="-128"/>
+              <a:cs typeface="Times New Roman" panose="02020603050405020304" pitchFamily="18" charset="0"/>
+            </a:endParaRPr>
+          </a:p>
+        </p:txBody>
+      </p:sp>
     </p:spTree>
     <p:extLst>
       <p:ext uri="{BB962C8B-B14F-4D97-AF65-F5344CB8AC3E}">
@@ -7154,6 +7394,66 @@
                 <a:cs typeface="Times New Roman" panose="02020603050405020304" pitchFamily="18" charset="0"/>
               </a:rPr>
               <a:t>Practice, practice, practice!</a:t>
+            </a:r>
+            <a:endParaRPr lang="en-US" sz="2200" dirty="0">
+              <a:latin typeface="Times New Roman" panose="02020603050405020304" pitchFamily="18" charset="0"/>
+              <a:ea typeface="MS Mincho" panose="02020609040205080304" pitchFamily="49" charset="-128"/>
+              <a:cs typeface="Times New Roman" panose="02020603050405020304" pitchFamily="18" charset="0"/>
+            </a:endParaRPr>
+          </a:p>
+        </p:txBody>
+      </p:sp>
+      <p:sp>
+        <p:nvSpPr>
+          <p:cNvPr id="5" name="TextBox 4">
+            <a:extLst>
+              <a:ext uri="{FF2B5EF4-FFF2-40B4-BE49-F238E27FC236}">
+                <a16:creationId xmlns:a16="http://schemas.microsoft.com/office/drawing/2014/main" id="{1231A3C2-4DEB-6C48-9398-D7BDAE41D99B}"/>
+              </a:ext>
+            </a:extLst>
+          </p:cNvPr>
+          <p:cNvSpPr txBox="1"/>
+          <p:nvPr/>
+        </p:nvSpPr>
+        <p:spPr>
+          <a:xfrm>
+            <a:off x="2331076" y="6350913"/>
+            <a:ext cx="6306763" cy="430887"/>
+          </a:xfrm>
+          <a:prstGeom prst="rect">
+            <a:avLst/>
+          </a:prstGeom>
+          <a:noFill/>
+        </p:spPr>
+        <p:txBody>
+          <a:bodyPr wrap="square" rtlCol="0">
+            <a:spAutoFit/>
+          </a:bodyPr>
+          <a:lstStyle/>
+          <a:p>
+            <a:pPr marR="0" lvl="0" algn="r">
+              <a:spcBef>
+                <a:spcPts val="0"/>
+              </a:spcBef>
+              <a:spcAft>
+                <a:spcPts val="0"/>
+              </a:spcAft>
+            </a:pPr>
+            <a:r>
+              <a:rPr lang="en-US" sz="2200" i="1" dirty="0">
+                <a:latin typeface="Times New Roman" panose="02020603050405020304" pitchFamily="18" charset="0"/>
+                <a:ea typeface="MS Mincho" panose="02020609040205080304" pitchFamily="49" charset="-128"/>
+                <a:cs typeface="Times New Roman" panose="02020603050405020304" pitchFamily="18" charset="0"/>
+              </a:rPr>
+              <a:t>Based on presentations by R.A.M.J. </a:t>
+            </a:r>
+            <a:r>
+              <a:rPr lang="en-US" sz="2200" i="1" dirty="0" err="1">
+                <a:latin typeface="Times New Roman" panose="02020603050405020304" pitchFamily="18" charset="0"/>
+                <a:ea typeface="MS Mincho" panose="02020609040205080304" pitchFamily="49" charset="-128"/>
+                <a:cs typeface="Times New Roman" panose="02020603050405020304" pitchFamily="18" charset="0"/>
+              </a:rPr>
+              <a:t>Wijers</a:t>
             </a:r>
             <a:endParaRPr lang="en-US" sz="2200" dirty="0">
               <a:latin typeface="Times New Roman" panose="02020603050405020304" pitchFamily="18" charset="0"/>

--- a/Slides/Class06.pptx
+++ b/Slides/Class06.pptx
@@ -239,7 +239,7 @@
           <a:p>
             <a:fld id="{C24322AF-E05B-7249-906C-FBAC6154C037}" type="datetimeFigureOut">
               <a:rPr lang="en-US" smtClean="0"/>
-              <a:t>12/11/18</a:t>
+              <a:t>6/18/25</a:t>
             </a:fld>
             <a:endParaRPr lang="en-US"/>
           </a:p>
@@ -405,7 +405,7 @@
             <a:fld id="{06A43BE5-3BD4-F642-8751-88A31D8D6D13}" type="datetimeFigureOut">
               <a:rPr lang="en-US" smtClean="0"/>
               <a:pPr/>
-              <a:t>12/11/18</a:t>
+              <a:t>6/18/25</a:t>
             </a:fld>
             <a:endParaRPr lang="en-US"/>
           </a:p>
@@ -948,7 +948,7 @@
             <a:fld id="{A4FA2B0E-4818-9849-9CF1-1031FD4E1DAB}" type="datetimeFigureOut">
               <a:rPr lang="en-US" smtClean="0"/>
               <a:pPr/>
-              <a:t>12/11/18</a:t>
+              <a:t>6/18/25</a:t>
             </a:fld>
             <a:endParaRPr lang="en-US"/>
           </a:p>
@@ -1113,7 +1113,7 @@
             <a:fld id="{A4FA2B0E-4818-9849-9CF1-1031FD4E1DAB}" type="datetimeFigureOut">
               <a:rPr lang="en-US" smtClean="0"/>
               <a:pPr/>
-              <a:t>12/11/18</a:t>
+              <a:t>6/18/25</a:t>
             </a:fld>
             <a:endParaRPr lang="en-US"/>
           </a:p>
@@ -1288,7 +1288,7 @@
             <a:fld id="{A4FA2B0E-4818-9849-9CF1-1031FD4E1DAB}" type="datetimeFigureOut">
               <a:rPr lang="en-US" smtClean="0"/>
               <a:pPr/>
-              <a:t>12/11/18</a:t>
+              <a:t>6/18/25</a:t>
             </a:fld>
             <a:endParaRPr lang="en-US"/>
           </a:p>
@@ -1453,7 +1453,7 @@
             <a:fld id="{A4FA2B0E-4818-9849-9CF1-1031FD4E1DAB}" type="datetimeFigureOut">
               <a:rPr lang="en-US" smtClean="0"/>
               <a:pPr/>
-              <a:t>12/11/18</a:t>
+              <a:t>6/18/25</a:t>
             </a:fld>
             <a:endParaRPr lang="en-US"/>
           </a:p>
@@ -1695,7 +1695,7 @@
             <a:fld id="{A4FA2B0E-4818-9849-9CF1-1031FD4E1DAB}" type="datetimeFigureOut">
               <a:rPr lang="en-US" smtClean="0"/>
               <a:pPr/>
-              <a:t>12/11/18</a:t>
+              <a:t>6/18/25</a:t>
             </a:fld>
             <a:endParaRPr lang="en-US"/>
           </a:p>
@@ -1977,7 +1977,7 @@
             <a:fld id="{A4FA2B0E-4818-9849-9CF1-1031FD4E1DAB}" type="datetimeFigureOut">
               <a:rPr lang="en-US" smtClean="0"/>
               <a:pPr/>
-              <a:t>12/11/18</a:t>
+              <a:t>6/18/25</a:t>
             </a:fld>
             <a:endParaRPr lang="en-US"/>
           </a:p>
@@ -2393,7 +2393,7 @@
             <a:fld id="{A4FA2B0E-4818-9849-9CF1-1031FD4E1DAB}" type="datetimeFigureOut">
               <a:rPr lang="en-US" smtClean="0"/>
               <a:pPr/>
-              <a:t>12/11/18</a:t>
+              <a:t>6/18/25</a:t>
             </a:fld>
             <a:endParaRPr lang="en-US"/>
           </a:p>
@@ -2507,7 +2507,7 @@
             <a:fld id="{A4FA2B0E-4818-9849-9CF1-1031FD4E1DAB}" type="datetimeFigureOut">
               <a:rPr lang="en-US" smtClean="0"/>
               <a:pPr/>
-              <a:t>12/11/18</a:t>
+              <a:t>6/18/25</a:t>
             </a:fld>
             <a:endParaRPr lang="en-US"/>
           </a:p>
@@ -2599,7 +2599,7 @@
             <a:fld id="{A4FA2B0E-4818-9849-9CF1-1031FD4E1DAB}" type="datetimeFigureOut">
               <a:rPr lang="en-US" smtClean="0"/>
               <a:pPr/>
-              <a:t>12/11/18</a:t>
+              <a:t>6/18/25</a:t>
             </a:fld>
             <a:endParaRPr lang="en-US"/>
           </a:p>
@@ -2871,7 +2871,7 @@
             <a:fld id="{A4FA2B0E-4818-9849-9CF1-1031FD4E1DAB}" type="datetimeFigureOut">
               <a:rPr lang="en-US" smtClean="0"/>
               <a:pPr/>
-              <a:t>12/11/18</a:t>
+              <a:t>6/18/25</a:t>
             </a:fld>
             <a:endParaRPr lang="en-US"/>
           </a:p>
@@ -3120,7 +3120,7 @@
             <a:fld id="{A4FA2B0E-4818-9849-9CF1-1031FD4E1DAB}" type="datetimeFigureOut">
               <a:rPr lang="en-US" smtClean="0"/>
               <a:pPr/>
-              <a:t>12/11/18</a:t>
+              <a:t>6/18/25</a:t>
             </a:fld>
             <a:endParaRPr lang="en-US"/>
           </a:p>
@@ -3328,7 +3328,7 @@
             <a:fld id="{A4FA2B0E-4818-9849-9CF1-1031FD4E1DAB}" type="datetimeFigureOut">
               <a:rPr lang="en-US" smtClean="0"/>
               <a:pPr/>
-              <a:t>12/11/18</a:t>
+              <a:t>6/18/25</a:t>
             </a:fld>
             <a:endParaRPr lang="en-US"/>
           </a:p>
@@ -3809,7 +3809,7 @@
                 <a:latin typeface="Times New Roman"/>
                 <a:cs typeface="Times New Roman"/>
               </a:rPr>
-              <a:t>Oral Presentations</a:t>
+              <a:t>Presentation Skills</a:t>
             </a:r>
           </a:p>
         </p:txBody>
@@ -9885,7 +9885,7 @@
         <p:spPr>
           <a:xfrm>
             <a:off x="539604" y="945630"/>
-            <a:ext cx="8451996" cy="2923877"/>
+            <a:ext cx="8451996" cy="2831544"/>
           </a:xfrm>
           <a:prstGeom prst="rect">
             <a:avLst/>
@@ -9913,15 +9913,15 @@
           </a:p>
           <a:p>
             <a:r>
-              <a:rPr lang="en-US" sz="2000" dirty="0">
+              <a:rPr lang="en-US" dirty="0">
                 <a:latin typeface="Times New Roman" panose="02020603050405020304" pitchFamily="18" charset="0"/>
                 <a:ea typeface="MS Mincho" panose="02020609040205080304" pitchFamily="49" charset="-128"/>
                 <a:cs typeface="Times New Roman" panose="02020603050405020304" pitchFamily="18" charset="0"/>
                 <a:hlinkClick r:id="rId2"/>
               </a:rPr>
-              <a:t>https://www.overleaf.com/latex/learn/free-online-introduction-to-latex-part-1</a:t>
-            </a:r>
-            <a:endParaRPr lang="en-US" sz="2000" dirty="0">
+              <a:t>https://www.overleaf.com/learn/latex/Free_online_introduction_to_LaTeX_(part_1)</a:t>
+            </a:r>
+            <a:endParaRPr lang="en-US" dirty="0">
               <a:latin typeface="Times New Roman" panose="02020603050405020304" pitchFamily="18" charset="0"/>
               <a:ea typeface="MS Mincho" panose="02020609040205080304" pitchFamily="49" charset="-128"/>
               <a:cs typeface="Times New Roman" panose="02020603050405020304" pitchFamily="18" charset="0"/>
@@ -9954,15 +9954,15 @@
           </a:p>
           <a:p>
             <a:r>
-              <a:rPr lang="en-US" sz="2000" dirty="0">
+              <a:rPr lang="en-US" dirty="0">
                 <a:latin typeface="Times New Roman" panose="02020603050405020304" pitchFamily="18" charset="0"/>
                 <a:ea typeface="MS Mincho" panose="02020609040205080304" pitchFamily="49" charset="-128"/>
                 <a:cs typeface="Times New Roman" panose="02020603050405020304" pitchFamily="18" charset="0"/>
                 <a:hlinkClick r:id="rId3"/>
               </a:rPr>
-              <a:t>https://www.overleaf.com/latex/learn/free-online-introduction-to-latex-part-2</a:t>
-            </a:r>
-            <a:endParaRPr lang="en-US" sz="2000" dirty="0">
+              <a:t>https://www.overleaf.com/learn/latex/Free_online_introduction_to_LaTeX_(part_2)</a:t>
+            </a:r>
+            <a:endParaRPr lang="en-US" dirty="0">
               <a:latin typeface="Times New Roman" panose="02020603050405020304" pitchFamily="18" charset="0"/>
               <a:ea typeface="MS Mincho" panose="02020609040205080304" pitchFamily="49" charset="-128"/>
               <a:cs typeface="Times New Roman" panose="02020603050405020304" pitchFamily="18" charset="0"/>
@@ -9995,15 +9995,15 @@
           </a:p>
           <a:p>
             <a:r>
-              <a:rPr lang="en-US" sz="2000" dirty="0">
+              <a:rPr lang="en-US" dirty="0">
                 <a:latin typeface="Times New Roman" panose="02020603050405020304" pitchFamily="18" charset="0"/>
                 <a:ea typeface="MS Mincho" panose="02020609040205080304" pitchFamily="49" charset="-128"/>
                 <a:cs typeface="Times New Roman" panose="02020603050405020304" pitchFamily="18" charset="0"/>
                 <a:hlinkClick r:id="rId4"/>
               </a:rPr>
-              <a:t>https://www.overleaf.com/latex/learn/free-online-introduction-to-latex-part-3</a:t>
-            </a:r>
-            <a:endParaRPr lang="en-US" sz="2000" dirty="0">
+              <a:t>https://www.overleaf.com/learn/latex/Free_online_introduction_to_LaTeX_(part_3)</a:t>
+            </a:r>
+            <a:endParaRPr lang="en-US" dirty="0">
               <a:latin typeface="Times New Roman" panose="02020603050405020304" pitchFamily="18" charset="0"/>
               <a:ea typeface="MS Mincho" panose="02020609040205080304" pitchFamily="49" charset="-128"/>
               <a:cs typeface="Times New Roman" panose="02020603050405020304" pitchFamily="18" charset="0"/>
@@ -10097,64 +10097,15 @@
                                   </p:childTnLst>
                                 </p:cTn>
                               </p:par>
-                            </p:childTnLst>
-                          </p:cTn>
-                        </p:par>
-                      </p:childTnLst>
-                    </p:cTn>
-                  </p:par>
-                  <p:par>
-                    <p:cTn id="7" fill="hold">
-                      <p:stCondLst>
-                        <p:cond delay="indefinite"/>
-                      </p:stCondLst>
-                      <p:childTnLst>
-                        <p:par>
-                          <p:cTn id="8" fill="hold">
-                            <p:stCondLst>
-                              <p:cond delay="0"/>
-                            </p:stCondLst>
-                            <p:childTnLst>
                               <p:par>
-                                <p:cTn id="9" presetID="1" presetClass="entr" presetSubtype="0" fill="hold" nodeType="clickEffect">
+                                <p:cTn id="7" presetID="1" presetClass="entr" presetSubtype="0" fill="hold" nodeType="withEffect">
                                   <p:stCondLst>
                                     <p:cond delay="0"/>
                                   </p:stCondLst>
                                   <p:childTnLst>
                                     <p:set>
                                       <p:cBhvr>
-                                        <p:cTn id="10" dur="1" fill="hold">
-                                          <p:stCondLst>
-                                            <p:cond delay="0"/>
-                                          </p:stCondLst>
-                                        </p:cTn>
-                                        <p:tgtEl>
-                                          <p:spTgt spid="6">
-                                            <p:txEl>
-                                              <p:pRg st="1" end="1"/>
-                                            </p:txEl>
-                                          </p:spTgt>
-                                        </p:tgtEl>
-                                        <p:attrNameLst>
-                                          <p:attrName>style.visibility</p:attrName>
-                                        </p:attrNameLst>
-                                      </p:cBhvr>
-                                      <p:to>
-                                        <p:strVal val="visible"/>
-                                      </p:to>
-                                    </p:set>
-                                  </p:childTnLst>
-                                </p:cTn>
-                              </p:par>
-                              <p:par>
-                                <p:cTn id="11" presetID="1" presetClass="entr" presetSubtype="0" fill="hold" nodeType="withEffect">
-                                  <p:stCondLst>
-                                    <p:cond delay="0"/>
-                                  </p:stCondLst>
-                                  <p:childTnLst>
-                                    <p:set>
-                                      <p:cBhvr>
-                                        <p:cTn id="12" dur="1" fill="hold">
+                                        <p:cTn id="8" dur="1" fill="hold">
                                           <p:stCondLst>
                                             <p:cond delay="0"/>
                                           </p:stCondLst>
@@ -10178,45 +10129,14 @@
                                 </p:cTn>
                               </p:par>
                               <p:par>
-                                <p:cTn id="13" presetID="1" presetClass="entr" presetSubtype="0" fill="hold" nodeType="withEffect">
+                                <p:cTn id="9" presetID="1" presetClass="entr" presetSubtype="0" fill="hold" nodeType="withEffect">
                                   <p:stCondLst>
                                     <p:cond delay="0"/>
                                   </p:stCondLst>
                                   <p:childTnLst>
                                     <p:set>
                                       <p:cBhvr>
-                                        <p:cTn id="14" dur="1" fill="hold">
-                                          <p:stCondLst>
-                                            <p:cond delay="0"/>
-                                          </p:stCondLst>
-                                        </p:cTn>
-                                        <p:tgtEl>
-                                          <p:spTgt spid="6">
-                                            <p:txEl>
-                                              <p:pRg st="4" end="4"/>
-                                            </p:txEl>
-                                          </p:spTgt>
-                                        </p:tgtEl>
-                                        <p:attrNameLst>
-                                          <p:attrName>style.visibility</p:attrName>
-                                        </p:attrNameLst>
-                                      </p:cBhvr>
-                                      <p:to>
-                                        <p:strVal val="visible"/>
-                                      </p:to>
-                                    </p:set>
-                                  </p:childTnLst>
-                                </p:cTn>
-                              </p:par>
-                              <p:par>
-                                <p:cTn id="15" presetID="1" presetClass="entr" presetSubtype="0" fill="hold" nodeType="withEffect">
-                                  <p:stCondLst>
-                                    <p:cond delay="0"/>
-                                  </p:stCondLst>
-                                  <p:childTnLst>
-                                    <p:set>
-                                      <p:cBhvr>
-                                        <p:cTn id="16" dur="1" fill="hold">
+                                        <p:cTn id="10" dur="1" fill="hold">
                                           <p:stCondLst>
                                             <p:cond delay="0"/>
                                           </p:stCondLst>
@@ -10239,37 +10159,6 @@
                                   </p:childTnLst>
                                 </p:cTn>
                               </p:par>
-                              <p:par>
-                                <p:cTn id="17" presetID="1" presetClass="entr" presetSubtype="0" fill="hold" nodeType="withEffect">
-                                  <p:stCondLst>
-                                    <p:cond delay="0"/>
-                                  </p:stCondLst>
-                                  <p:childTnLst>
-                                    <p:set>
-                                      <p:cBhvr>
-                                        <p:cTn id="18" dur="1" fill="hold">
-                                          <p:stCondLst>
-                                            <p:cond delay="0"/>
-                                          </p:stCondLst>
-                                        </p:cTn>
-                                        <p:tgtEl>
-                                          <p:spTgt spid="6">
-                                            <p:txEl>
-                                              <p:pRg st="7" end="7"/>
-                                            </p:txEl>
-                                          </p:spTgt>
-                                        </p:tgtEl>
-                                        <p:attrNameLst>
-                                          <p:attrName>style.visibility</p:attrName>
-                                        </p:attrNameLst>
-                                      </p:cBhvr>
-                                      <p:to>
-                                        <p:strVal val="visible"/>
-                                      </p:to>
-                                    </p:set>
-                                  </p:childTnLst>
-                                </p:cTn>
-                              </p:par>
                             </p:childTnLst>
                           </p:cTn>
                         </p:par>
@@ -10277,26 +10166,26 @@
                     </p:cTn>
                   </p:par>
                   <p:par>
-                    <p:cTn id="19" fill="hold">
+                    <p:cTn id="11" fill="hold">
                       <p:stCondLst>
                         <p:cond delay="indefinite"/>
                       </p:stCondLst>
                       <p:childTnLst>
                         <p:par>
-                          <p:cTn id="20" fill="hold">
+                          <p:cTn id="12" fill="hold">
                             <p:stCondLst>
                               <p:cond delay="0"/>
                             </p:stCondLst>
                             <p:childTnLst>
                               <p:par>
-                                <p:cTn id="21" presetID="1" presetClass="entr" presetSubtype="0" fill="hold" nodeType="clickEffect">
+                                <p:cTn id="13" presetID="1" presetClass="entr" presetSubtype="0" fill="hold" nodeType="clickEffect">
                                   <p:stCondLst>
                                     <p:cond delay="0"/>
                                   </p:stCondLst>
                                   <p:childTnLst>
                                     <p:set>
                                       <p:cBhvr>
-                                        <p:cTn id="22" dur="1" fill="hold">
+                                        <p:cTn id="14" dur="1" fill="hold">
                                           <p:stCondLst>
                                             <p:cond delay="0"/>
                                           </p:stCondLst>
